--- a/Documentation/Presentations/ThinkItThru!Poster.pptx
+++ b/Documentation/Presentations/ThinkItThru!Poster.pptx
@@ -118,13 +118,7 @@
 <file path=ppt/revisionInfo.xml><?xml version="1.0" encoding="utf-8"?>
 <p1510:revInfo xmlns:a="http://schemas.openxmlformats.org/drawingml/2006/main" xmlns:r="http://schemas.openxmlformats.org/officeDocument/2006/relationships" xmlns:p1510="http://schemas.microsoft.com/office/powerpoint/2015/10/main">
   <p1510:revLst>
-    <p1510:client id="{08A08764-EF43-C858-EB9D-06948B16FB68}" v="46" dt="2024-04-04T17:07:04.855"/>
-    <p1510:client id="{290DC2CD-68A1-2B54-F92D-F0FA1E632583}" v="3" dt="2024-04-04T17:19:20.782"/>
-    <p1510:client id="{62C73653-12C0-E712-AA34-9E4D9E796E73}" v="1229" dt="2024-04-04T17:49:43.624"/>
-    <p1510:client id="{702B4431-A27E-C637-FF72-242C3475D988}" v="76" dt="2024-04-04T15:41:18.170"/>
-    <p1510:client id="{7DFF9E01-5A0D-5248-6244-93206C79DAD3}" v="4" dt="2024-04-04T17:16:07.311"/>
-    <p1510:client id="{B2355FAD-9472-B3EF-6E55-AB09E9D5A1D5}" v="3089" dt="2024-04-04T16:37:18.182"/>
-    <p1510:client id="{B69E290C-2F32-BE39-1B50-2CC763B69BAE}" v="2" dt="2024-04-04T17:09:42.928"/>
+    <p1510:client id="{96EDA4B2-D4B7-FC86-4F88-98D65EFDEF0C}" v="607" dt="2024-04-09T16:45:43.650"/>
   </p1510:revLst>
 </p1510:revInfo>
 </file>
@@ -211,7 +205,7 @@
           <a:p>
             <a:fld id="{64ED9595-0AE4-4B15-B393-D0F1DD0EB94B}" type="datetimeFigureOut">
               <a:rPr lang="en-US" smtClean="0"/>
-              <a:t>4/4/2024</a:t>
+              <a:t>4/9/2024</a:t>
             </a:fld>
             <a:endParaRPr lang="en-US"/>
           </a:p>
@@ -696,7 +690,7 @@
           <a:p>
             <a:fld id="{41C03D7F-B796-4B92-B0C7-6D4C9CC8C787}" type="datetimeFigureOut">
               <a:rPr lang="en-US" smtClean="0"/>
-              <a:t>4/4/2024</a:t>
+              <a:t>4/9/2024</a:t>
             </a:fld>
             <a:endParaRPr lang="en-US"/>
           </a:p>
@@ -864,7 +858,7 @@
           <a:p>
             <a:fld id="{41C03D7F-B796-4B92-B0C7-6D4C9CC8C787}" type="datetimeFigureOut">
               <a:rPr lang="en-US" smtClean="0"/>
-              <a:t>4/4/2024</a:t>
+              <a:t>4/9/2024</a:t>
             </a:fld>
             <a:endParaRPr lang="en-US"/>
           </a:p>
@@ -1042,7 +1036,7 @@
           <a:p>
             <a:fld id="{41C03D7F-B796-4B92-B0C7-6D4C9CC8C787}" type="datetimeFigureOut">
               <a:rPr lang="en-US" smtClean="0"/>
-              <a:t>4/4/2024</a:t>
+              <a:t>4/9/2024</a:t>
             </a:fld>
             <a:endParaRPr lang="en-US"/>
           </a:p>
@@ -1210,7 +1204,7 @@
           <a:p>
             <a:fld id="{41C03D7F-B796-4B92-B0C7-6D4C9CC8C787}" type="datetimeFigureOut">
               <a:rPr lang="en-US" smtClean="0"/>
-              <a:t>4/4/2024</a:t>
+              <a:t>4/9/2024</a:t>
             </a:fld>
             <a:endParaRPr lang="en-US"/>
           </a:p>
@@ -1453,7 +1447,7 @@
           <a:p>
             <a:fld id="{41C03D7F-B796-4B92-B0C7-6D4C9CC8C787}" type="datetimeFigureOut">
               <a:rPr lang="en-US" smtClean="0"/>
-              <a:t>4/4/2024</a:t>
+              <a:t>4/9/2024</a:t>
             </a:fld>
             <a:endParaRPr lang="en-US"/>
           </a:p>
@@ -1682,7 +1676,7 @@
           <a:p>
             <a:fld id="{41C03D7F-B796-4B92-B0C7-6D4C9CC8C787}" type="datetimeFigureOut">
               <a:rPr lang="en-US" smtClean="0"/>
-              <a:t>4/4/2024</a:t>
+              <a:t>4/9/2024</a:t>
             </a:fld>
             <a:endParaRPr lang="en-US"/>
           </a:p>
@@ -2046,7 +2040,7 @@
           <a:p>
             <a:fld id="{41C03D7F-B796-4B92-B0C7-6D4C9CC8C787}" type="datetimeFigureOut">
               <a:rPr lang="en-US" smtClean="0"/>
-              <a:t>4/4/2024</a:t>
+              <a:t>4/9/2024</a:t>
             </a:fld>
             <a:endParaRPr lang="en-US"/>
           </a:p>
@@ -2163,7 +2157,7 @@
           <a:p>
             <a:fld id="{41C03D7F-B796-4B92-B0C7-6D4C9CC8C787}" type="datetimeFigureOut">
               <a:rPr lang="en-US" smtClean="0"/>
-              <a:t>4/4/2024</a:t>
+              <a:t>4/9/2024</a:t>
             </a:fld>
             <a:endParaRPr lang="en-US"/>
           </a:p>
@@ -2258,7 +2252,7 @@
           <a:p>
             <a:fld id="{41C03D7F-B796-4B92-B0C7-6D4C9CC8C787}" type="datetimeFigureOut">
               <a:rPr lang="en-US" smtClean="0"/>
-              <a:t>4/4/2024</a:t>
+              <a:t>4/9/2024</a:t>
             </a:fld>
             <a:endParaRPr lang="en-US"/>
           </a:p>
@@ -2533,7 +2527,7 @@
           <a:p>
             <a:fld id="{41C03D7F-B796-4B92-B0C7-6D4C9CC8C787}" type="datetimeFigureOut">
               <a:rPr lang="en-US" smtClean="0"/>
-              <a:t>4/4/2024</a:t>
+              <a:t>4/9/2024</a:t>
             </a:fld>
             <a:endParaRPr lang="en-US"/>
           </a:p>
@@ -2788,7 +2782,7 @@
           <a:p>
             <a:fld id="{41C03D7F-B796-4B92-B0C7-6D4C9CC8C787}" type="datetimeFigureOut">
               <a:rPr lang="en-US" smtClean="0"/>
-              <a:t>4/4/2024</a:t>
+              <a:t>4/9/2024</a:t>
             </a:fld>
             <a:endParaRPr lang="en-US"/>
           </a:p>
@@ -2999,7 +2993,7 @@
           <a:p>
             <a:fld id="{41C03D7F-B796-4B92-B0C7-6D4C9CC8C787}" type="datetimeFigureOut">
               <a:rPr lang="en-US" smtClean="0"/>
-              <a:t>4/4/2024</a:t>
+              <a:t>4/9/2024</a:t>
             </a:fld>
             <a:endParaRPr lang="en-US"/>
           </a:p>
@@ -3854,10 +3848,11 @@
                 <a:solidFill>
                   <a:srgbClr val="BB1C3F"/>
                 </a:solidFill>
+                <a:ea typeface="Calibri"/>
+                <a:cs typeface="Calibri"/>
               </a:rPr>
-              <a:t>Future Work</a:t>
-            </a:r>
-            <a:endParaRPr lang="en-US"/>
+              <a:t>Design</a:t>
+            </a:r>
           </a:p>
         </p:txBody>
       </p:sp>
@@ -4192,8 +4187,12 @@
               <a:rPr lang="en-US" sz="3200">
                 <a:cs typeface="Calibri"/>
               </a:rPr>
-              <a:t> uses Firebase Realtime database for storing all its user data; much of what it stores involves the Experience points of each user, the gameboard setup, the tasks of each user, and the profile settings.</a:t>
-            </a:r>
+              <a:t>! uses Firebase Realtime database for storing all its user data; much of what it stores involves the Experience points of each user, the gameboard setup, the tasks of each user, and the profile settings.</a:t>
+            </a:r>
+            <a:endParaRPr lang="en-US" sz="3200">
+              <a:ea typeface="Calibri"/>
+              <a:cs typeface="Calibri"/>
+            </a:endParaRPr>
           </a:p>
           <a:p>
             <a:pPr algn="just"/>
@@ -4225,8 +4224,12 @@
               <a:rPr lang="en-US" sz="3200">
                 <a:cs typeface="Calibri"/>
               </a:rPr>
-              <a:t> is also hosted through Google's Firebase service, where changes can be deployed easily and effectively. It works well with the database and authentication functions.</a:t>
-            </a:r>
+              <a:t>! is also hosted through Google's Firebase service, where changes can be deployed easily and effectively. It works well with the database and authentication functions.</a:t>
+            </a:r>
+            <a:endParaRPr lang="en-US" sz="3200">
+              <a:ea typeface="Calibri"/>
+              <a:cs typeface="Calibri"/>
+            </a:endParaRPr>
           </a:p>
           <a:p>
             <a:pPr algn="just"/>
@@ -4248,6 +4251,10 @@
               </a:rPr>
               <a:t>Our website also uses Firebase's authentication, taking advantage of Google's professional security measures while still allowing us to identify user's and their data.</a:t>
             </a:r>
+            <a:endParaRPr lang="en-US" sz="3200">
+              <a:ea typeface="Calibri"/>
+              <a:cs typeface="Calibri"/>
+            </a:endParaRPr>
           </a:p>
           <a:p>
             <a:pPr algn="just"/>
@@ -4269,6 +4276,10 @@
               </a:rPr>
               <a:t>Visual Studio Code is our preferred Integrated Development Environment (IDE), allowing us to code in a plethora of programming languages and quickly update our GitHub files.</a:t>
             </a:r>
+            <a:endParaRPr lang="en-US" sz="3200">
+              <a:ea typeface="Calibri"/>
+              <a:cs typeface="Calibri"/>
+            </a:endParaRPr>
           </a:p>
           <a:p>
             <a:pPr algn="just"/>
@@ -4294,7 +4305,7 @@
         <p:spPr>
           <a:xfrm>
             <a:off x="25953172" y="18448840"/>
-            <a:ext cx="11171615" cy="12403395"/>
+            <a:ext cx="11171615" cy="18805148"/>
           </a:xfrm>
           <a:prstGeom prst="rect">
             <a:avLst/>
@@ -4325,17 +4336,55 @@
           <a:p>
             <a:pPr algn="just"/>
             <a:r>
-              <a:rPr lang="en-US" sz="3200" b="1">
+              <a:rPr lang="en-US" sz="3200" dirty="0">
                 <a:cs typeface="Calibri"/>
               </a:rPr>
-              <a:t>Socials: </a:t>
-            </a:r>
-            <a:r>
-              <a:rPr lang="en-US" sz="3200">
+              <a:t>Tasks are the backbone of </a:t>
+            </a:r>
+            <a:r>
+              <a:rPr lang="en-US" sz="3200" err="1">
                 <a:cs typeface="Calibri"/>
               </a:rPr>
-              <a:t>In addition to more types of social information input into a "Connections" page, we would also like to allow users to look at the gardens and progress of their friends within the gamified portion of the site.</a:t>
-            </a:r>
+              <a:t>ThinkItThru</a:t>
+            </a:r>
+            <a:r>
+              <a:rPr lang="en-US" sz="3200" dirty="0">
+                <a:cs typeface="Calibri"/>
+              </a:rPr>
+              <a:t>!. Users will create Tasks using the Task's name, estimated time required to complete, priority, difficulty, due date (or optionally recurring weekly), and an optional list of subtasks.</a:t>
+            </a:r>
+          </a:p>
+          <a:p>
+            <a:pPr algn="just"/>
+            <a:r>
+              <a:rPr lang="en-US" sz="3200" dirty="0">
+                <a:cs typeface="Calibri"/>
+              </a:rPr>
+              <a:t>Users will be able to add Tasks to their </a:t>
+            </a:r>
+            <a:r>
+              <a:rPr lang="en-US" sz="3200" err="1">
+                <a:cs typeface="Calibri"/>
+              </a:rPr>
+              <a:t>TaskList</a:t>
+            </a:r>
+            <a:r>
+              <a:rPr lang="en-US" sz="3200" dirty="0">
+                <a:cs typeface="Calibri"/>
+              </a:rPr>
+              <a:t>, which organizes the dashboard screen's display by priority based on the following calculation:</a:t>
+            </a:r>
+            <a:endParaRPr lang="en-US" sz="3200" dirty="0">
+              <a:ea typeface="Calibri"/>
+              <a:cs typeface="Calibri"/>
+            </a:endParaRPr>
+          </a:p>
+          <a:p>
+            <a:pPr algn="just"/>
+            <a:endParaRPr lang="en-US" sz="3200" dirty="0">
+              <a:ea typeface="Calibri"/>
+              <a:cs typeface="Calibri"/>
+            </a:endParaRPr>
           </a:p>
           <a:p>
             <a:pPr algn="just"/>
@@ -4346,16 +4395,67 @@
           <a:p>
             <a:pPr algn="just"/>
             <a:r>
-              <a:rPr lang="en-US" sz="3200" b="1">
+              <a:rPr lang="en-US" sz="3200" dirty="0">
                 <a:cs typeface="Calibri"/>
               </a:rPr>
-              <a:t>Improved Gamification: </a:t>
-            </a:r>
-            <a:r>
-              <a:rPr lang="en-US" sz="3200">
+              <a:t>Based on these Tasks, Daily and Weekly Objectives will be created, calculating how long a user needs to work in that day or week to complete all Tasks on time (Figure 4). By completing all Objectives, the user should be on track to complete all their Tasks on time and will receive a bonus XP reward!</a:t>
+            </a:r>
+            <a:endParaRPr lang="en-US" sz="3200">
+              <a:ea typeface="Calibri"/>
+              <a:cs typeface="Calibri"/>
+            </a:endParaRPr>
+          </a:p>
+          <a:p>
+            <a:pPr algn="just"/>
+            <a:endParaRPr lang="en-US" sz="3200" dirty="0">
+              <a:cs typeface="Calibri"/>
+            </a:endParaRPr>
+          </a:p>
+          <a:p>
+            <a:pPr algn="just"/>
+            <a:r>
+              <a:rPr lang="en-US" sz="3200" dirty="0">
                 <a:cs typeface="Calibri"/>
               </a:rPr>
-              <a:t>We would like to improve the game by creating a wider variety of items to buy and use. Also, we would like to improve the experience system to provide more rewards for staying on track with your goals.</a:t>
+              <a:t>Time worked, completing Tasks, and completing Objectives awards XP, which will be used in the Mind Your Garden game. Players will be able to invest XP to add plants and other items to tiles in their garden, which will multiply XP gained later on!</a:t>
+            </a:r>
+            <a:endParaRPr lang="en-US" sz="3200" dirty="0">
+              <a:ea typeface="Calibri"/>
+              <a:cs typeface="Calibri"/>
+            </a:endParaRPr>
+          </a:p>
+          <a:p>
+            <a:pPr algn="just"/>
+            <a:endParaRPr lang="en-US" sz="3200" dirty="0">
+              <a:ea typeface="Calibri"/>
+              <a:cs typeface="Calibri"/>
+            </a:endParaRPr>
+          </a:p>
+          <a:p>
+            <a:pPr algn="just"/>
+            <a:r>
+              <a:rPr lang="en-US" sz="3200" dirty="0">
+                <a:ea typeface="Calibri"/>
+                <a:cs typeface="Calibri"/>
+              </a:rPr>
+              <a:t>Users will be able to track the amount of time they have worked each day of the past week, as well as track the amount of time worked per week for up to a year. We hope this motivates users to clock in more hours in work on their projects and track their progress in their own personal habits in reaching their life goals!</a:t>
+            </a:r>
+          </a:p>
+          <a:p>
+            <a:pPr algn="just"/>
+            <a:endParaRPr lang="en-US" sz="3200" dirty="0">
+              <a:ea typeface="Calibri"/>
+              <a:cs typeface="Calibri"/>
+            </a:endParaRPr>
+          </a:p>
+          <a:p>
+            <a:pPr algn="just"/>
+            <a:r>
+              <a:rPr lang="en-US" sz="3200" dirty="0">
+                <a:ea typeface="Calibri"/>
+                <a:cs typeface="Calibri"/>
+              </a:rPr>
+              <a:t>If the user is an Austin Peay student, the Connections page will allow users to connect to social media, such as public discord servers, according to their major to seek help and connect with fellow students.</a:t>
             </a:r>
           </a:p>
           <a:p>
@@ -4366,19 +4466,8 @@
           </a:p>
           <a:p>
             <a:pPr algn="just"/>
-            <a:r>
-              <a:rPr lang="en-US" sz="3200" b="1">
-                <a:cs typeface="Calibri"/>
-              </a:rPr>
-              <a:t>Improved Subtasks: </a:t>
-            </a:r>
-            <a:r>
-              <a:rPr lang="en-US" sz="3200">
-                <a:cs typeface="Calibri"/>
-              </a:rPr>
-              <a:t>For the future, we would like to improve the usability and utility of the subtask functions, to make it more useful for the user.</a:t>
-            </a:r>
-            <a:endParaRPr lang="en-US" sz="3200" b="1">
+            <a:endParaRPr lang="en-US" sz="3200" dirty="0">
+              <a:ea typeface="Calibri"/>
               <a:cs typeface="Calibri"/>
             </a:endParaRPr>
           </a:p>
@@ -4390,67 +4479,22 @@
           </a:p>
           <a:p>
             <a:pPr algn="just"/>
-            <a:r>
-              <a:rPr lang="en-US" sz="3200" b="1">
-                <a:cs typeface="Calibri"/>
-              </a:rPr>
-              <a:t>Helpful Advice: </a:t>
-            </a:r>
-            <a:r>
-              <a:rPr lang="en-US" sz="3200">
-                <a:cs typeface="Calibri"/>
-              </a:rPr>
-              <a:t>Our biggest goal is to help the user stay on track and build healthy habits. In the future, we would like to find ways to offer healthy advice to users and aid in developing good habits.</a:t>
-            </a:r>
-            <a:endParaRPr lang="en-US" sz="3200" b="1">
+            <a:endParaRPr lang="en-US" sz="3200">
+              <a:ea typeface="Calibri" panose="020F0502020204030204"/>
               <a:cs typeface="Calibri"/>
             </a:endParaRPr>
           </a:p>
           <a:p>
             <a:pPr algn="just"/>
             <a:endParaRPr lang="en-US" sz="3200">
+              <a:ea typeface="Calibri" panose="020F0502020204030204"/>
               <a:cs typeface="Calibri"/>
             </a:endParaRPr>
           </a:p>
           <a:p>
             <a:pPr algn="just"/>
             <a:endParaRPr lang="en-US" sz="3200">
-              <a:cs typeface="Calibri"/>
-            </a:endParaRPr>
-          </a:p>
-          <a:p>
-            <a:pPr algn="just"/>
-            <a:endParaRPr lang="en-US" sz="3200">
-              <a:cs typeface="Calibri"/>
-            </a:endParaRPr>
-          </a:p>
-          <a:p>
-            <a:pPr algn="just"/>
-            <a:endParaRPr lang="en-US" sz="3200">
-              <a:cs typeface="Calibri"/>
-            </a:endParaRPr>
-          </a:p>
-          <a:p>
-            <a:pPr algn="just"/>
-            <a:endParaRPr lang="en-US" sz="3200">
-              <a:cs typeface="Calibri"/>
-            </a:endParaRPr>
-          </a:p>
-          <a:p>
-            <a:pPr algn="just"/>
-            <a:endParaRPr lang="en-US" sz="3200">
-              <a:cs typeface="Calibri"/>
-            </a:endParaRPr>
-          </a:p>
-          <a:p>
-            <a:pPr algn="just"/>
-            <a:endParaRPr lang="en-US" sz="3200">
-              <a:cs typeface="Calibri"/>
-            </a:endParaRPr>
-          </a:p>
-          <a:p>
-            <a:pPr algn="just"/>
-            <a:endParaRPr lang="en-US" sz="3200">
+              <a:ea typeface="Calibri" panose="020F0502020204030204"/>
               <a:cs typeface="Calibri"/>
             </a:endParaRPr>
           </a:p>
@@ -4470,8 +4514,8 @@
         </p:nvSpPr>
         <p:spPr>
           <a:xfrm>
-            <a:off x="25953172" y="28018766"/>
-            <a:ext cx="11171615" cy="1569660"/>
+            <a:off x="13619153" y="34849205"/>
+            <a:ext cx="11171615" cy="2062103"/>
           </a:xfrm>
           <a:prstGeom prst="rect">
             <a:avLst/>
@@ -4504,37 +4548,57 @@
               <a:buAutoNum type="arabicPeriod"/>
             </a:pPr>
             <a:r>
-              <a:rPr lang="en-US" sz="3200" err="1">
-                <a:ea typeface="Calibri"/>
-                <a:cs typeface="Calibri"/>
+              <a:rPr lang="en-US" sz="3200">
+                <a:ea typeface="+mn-lt"/>
+                <a:cs typeface="+mn-lt"/>
+                <a:hlinkClick r:id="rId4"/>
               </a:rPr>
-              <a:t>Miscrosoft</a:t>
-            </a:r>
+              <a:t>https://code.visualstudio.com</a:t>
+            </a:r>
+            <a:endParaRPr lang="en-US" sz="3200">
+              <a:ea typeface="Calibri"/>
+              <a:cs typeface="Calibri"/>
+            </a:endParaRPr>
+          </a:p>
+          <a:p>
+            <a:pPr marL="514350" indent="-514350" algn="just">
+              <a:buAutoNum type="arabicPeriod"/>
+            </a:pPr>
+            <a:r>
+              <a:rPr lang="en-US" sz="3200">
+                <a:ea typeface="+mn-lt"/>
+                <a:cs typeface="+mn-lt"/>
+                <a:hlinkClick r:id="rId5"/>
+              </a:rPr>
+              <a:t>https://github.com</a:t>
+            </a:r>
+            <a:endParaRPr lang="en-US" sz="3200">
+              <a:ea typeface="+mn-lt"/>
+              <a:cs typeface="+mn-lt"/>
+            </a:endParaRPr>
+          </a:p>
+          <a:p>
+            <a:pPr marL="514350" indent="-514350" algn="just">
+              <a:buAutoNum type="arabicPeriod"/>
+            </a:pPr>
             <a:r>
               <a:rPr lang="en-US" sz="3200">
                 <a:ea typeface="Calibri"/>
                 <a:cs typeface="Calibri"/>
+                <a:hlinkClick r:id="rId6"/>
               </a:rPr>
-              <a:t> Visual Studio Code</a:t>
-            </a:r>
+              <a:t>https://firebase.google.com</a:t>
+            </a:r>
+            <a:endParaRPr lang="en-US" sz="3200">
+              <a:ea typeface="Calibri"/>
+              <a:cs typeface="Calibri"/>
+            </a:endParaRPr>
           </a:p>
           <a:p>
             <a:pPr marL="514350" indent="-514350" algn="just">
               <a:buAutoNum type="arabicPeriod"/>
             </a:pPr>
-            <a:r>
-              <a:rPr lang="en-US" sz="3200">
-                <a:ea typeface="Calibri"/>
-                <a:cs typeface="Calibri"/>
-              </a:rPr>
-              <a:t>GitHub</a:t>
-            </a:r>
-          </a:p>
-          <a:p>
-            <a:pPr marL="514350" indent="-514350" algn="just">
-              <a:buAutoNum type="arabicPeriod"/>
-            </a:pPr>
-            <a:endParaRPr lang="en-US" sz="3200" dirty="0">
+            <a:endParaRPr lang="en-US" sz="3200">
               <a:ea typeface="Calibri"/>
               <a:cs typeface="Calibri"/>
             </a:endParaRPr>
@@ -4555,8 +4619,8 @@
         </p:nvSpPr>
         <p:spPr>
           <a:xfrm>
-            <a:off x="25953172" y="34461264"/>
-            <a:ext cx="11171615" cy="4031873"/>
+            <a:off x="25937674" y="34770133"/>
+            <a:ext cx="11171615" cy="2554545"/>
           </a:xfrm>
           <a:prstGeom prst="rect">
             <a:avLst/>
@@ -4587,92 +4651,22 @@
           <a:p>
             <a:pPr algn="just"/>
             <a:r>
-              <a:rPr lang="en-US" sz="3200" b="1">
-                <a:cs typeface="Calibri"/>
-              </a:rPr>
-              <a:t>Levi Wright: </a:t>
-            </a:r>
-            <a:r>
               <a:rPr lang="en-US" sz="3200">
                 <a:cs typeface="Calibri"/>
               </a:rPr>
-              <a:t>Programmer (JavaScript) and function designer.</a:t>
-            </a:r>
+              <a:t>We would like to thank Dr. Karen Meisch for her support of students in the College of Science, Technology, Engineering &amp; Mathematics, and Dr. Leong Lee for his support of students in the Department of Computer Science and Information Technology.</a:t>
+            </a:r>
+            <a:endParaRPr lang="en-US" sz="3200">
+              <a:ea typeface="Calibri"/>
+              <a:cs typeface="Calibri"/>
+            </a:endParaRPr>
           </a:p>
           <a:p>
             <a:pPr algn="just"/>
-            <a:r>
-              <a:rPr lang="en-US" sz="3200" b="1">
-                <a:cs typeface="Calibri"/>
-              </a:rPr>
-              <a:t>Zach Travis: </a:t>
-            </a:r>
-            <a:r>
-              <a:rPr lang="en-US" sz="3200">
-                <a:cs typeface="Calibri"/>
-              </a:rPr>
-              <a:t>Site design (CSS and HTML) and programmer aid.</a:t>
-            </a:r>
-          </a:p>
-          <a:p>
-            <a:pPr algn="just"/>
-            <a:r>
-              <a:rPr lang="en-US" sz="3200" b="1">
-                <a:cs typeface="Calibri"/>
-              </a:rPr>
-              <a:t>Jensen Schmidt: </a:t>
-            </a:r>
-            <a:r>
-              <a:rPr lang="en-US" sz="3200">
-                <a:cs typeface="Calibri"/>
-              </a:rPr>
-              <a:t>Database engineer and programmer aid.</a:t>
-            </a:r>
-          </a:p>
-          <a:p>
-            <a:pPr algn="just"/>
-            <a:r>
-              <a:rPr lang="en-US" sz="3200" b="1">
-                <a:cs typeface="Calibri"/>
-              </a:rPr>
-              <a:t>Dr. John Nicholson: </a:t>
-            </a:r>
-            <a:r>
-              <a:rPr lang="en-US" sz="3200">
-                <a:cs typeface="Calibri"/>
-              </a:rPr>
-              <a:t>For guiding us on this project and the help he has given.</a:t>
-            </a:r>
-          </a:p>
-          <a:p>
-            <a:pPr algn="just"/>
-            <a:r>
-              <a:rPr lang="en-US" sz="3200" b="1">
-                <a:cs typeface="Calibri"/>
-              </a:rPr>
-              <a:t>Google: </a:t>
-            </a:r>
-            <a:r>
-              <a:rPr lang="en-US" sz="3200">
-                <a:cs typeface="Calibri"/>
-              </a:rPr>
-              <a:t>For its variety of services offered to us to aid in the creation of this site.</a:t>
-            </a:r>
-          </a:p>
-          <a:p>
-            <a:pPr algn="just"/>
-            <a:r>
-              <a:rPr lang="en-US" sz="3200" b="1">
-                <a:cs typeface="Calibri"/>
-              </a:rPr>
-              <a:t>Microsoft Visual Studio Code: </a:t>
-            </a:r>
-            <a:r>
-              <a:rPr lang="en-US" sz="3200">
-                <a:cs typeface="Calibri"/>
-              </a:rPr>
-              <a:t>For its robust and easy-to-use IDE.</a:t>
-            </a:r>
+            <a:endParaRPr lang="en-US" sz="3200">
+              <a:ea typeface="Calibri"/>
+              <a:cs typeface="Calibri"/>
+            </a:endParaRPr>
           </a:p>
         </p:txBody>
       </p:sp>
@@ -4690,7 +4684,7 @@
         </p:nvSpPr>
         <p:spPr>
           <a:xfrm>
-            <a:off x="27810269" y="27104364"/>
+            <a:off x="15476250" y="33934803"/>
             <a:ext cx="7543800" cy="830997"/>
           </a:xfrm>
           <a:prstGeom prst="rect">
@@ -4749,7 +4743,7 @@
         </p:nvSpPr>
         <p:spPr>
           <a:xfrm>
-            <a:off x="27810269" y="33546863"/>
+            <a:off x="27794771" y="33936245"/>
             <a:ext cx="7543800" cy="830997"/>
           </a:xfrm>
           <a:prstGeom prst="rect">
@@ -4848,9 +4842,10 @@
                 <a:solidFill>
                   <a:srgbClr val="BB1C3F"/>
                 </a:solidFill>
+                <a:ea typeface="Calibri"/>
                 <a:cs typeface="Calibri"/>
               </a:rPr>
-              <a:t>Design</a:t>
+              <a:t>Future Work</a:t>
             </a:r>
           </a:p>
         </p:txBody>
@@ -4870,7 +4865,7 @@
         <p:spPr>
           <a:xfrm>
             <a:off x="13631111" y="29269737"/>
-            <a:ext cx="11171615" cy="8463855"/>
+            <a:ext cx="11171615" cy="4524315"/>
           </a:xfrm>
           <a:prstGeom prst="rect">
             <a:avLst/>
@@ -4901,88 +4896,45 @@
           <a:p>
             <a:pPr algn="just"/>
             <a:r>
-              <a:rPr lang="en-US" sz="3200" dirty="0">
-                <a:ea typeface="Calibri"/>
-                <a:cs typeface="Calibri"/>
-              </a:rPr>
-              <a:t>Tasks are the backbone of </a:t>
-            </a:r>
-            <a:r>
-              <a:rPr lang="en-US" sz="3200" dirty="0" err="1">
-                <a:ea typeface="Calibri"/>
-                <a:cs typeface="Calibri"/>
-              </a:rPr>
-              <a:t>ThinkItThru</a:t>
-            </a:r>
-            <a:r>
-              <a:rPr lang="en-US" sz="3200" dirty="0">
-                <a:ea typeface="Calibri"/>
-                <a:cs typeface="Calibri"/>
-              </a:rPr>
-              <a:t>!. Users will create Tasks using the Task's name, estimated time required to complete, priority, difficulty, due date (or optionally recurring weekly), and an optional list of subtasks.</a:t>
-            </a:r>
-          </a:p>
-          <a:p>
-            <a:pPr algn="just"/>
-            <a:r>
-              <a:rPr lang="en-US" sz="3200" dirty="0">
-                <a:ea typeface="Calibri"/>
-                <a:cs typeface="Calibri"/>
-              </a:rPr>
-              <a:t>Users will be able to add Tasks to their </a:t>
-            </a:r>
-            <a:r>
-              <a:rPr lang="en-US" sz="3200" err="1">
-                <a:ea typeface="Calibri"/>
-                <a:cs typeface="Calibri"/>
-              </a:rPr>
-              <a:t>TaskList</a:t>
-            </a:r>
-            <a:r>
-              <a:rPr lang="en-US" sz="3200" dirty="0">
-                <a:ea typeface="Calibri"/>
-                <a:cs typeface="Calibri"/>
-              </a:rPr>
-              <a:t>, which organizes the dashboard screen's display by priority based on the following calculation:</a:t>
-            </a:r>
-            <a:endParaRPr lang="en-US"/>
-          </a:p>
-          <a:p>
-            <a:pPr algn="just"/>
-            <a:endParaRPr lang="en-US" sz="3200" dirty="0">
-              <a:ea typeface="Calibri"/>
-              <a:cs typeface="Calibri"/>
-            </a:endParaRPr>
-          </a:p>
-          <a:p>
-            <a:pPr algn="just"/>
-            <a:endParaRPr lang="en-US" sz="3200">
-              <a:cs typeface="Calibri"/>
-            </a:endParaRPr>
-          </a:p>
-          <a:p>
-            <a:pPr algn="just"/>
-            <a:r>
-              <a:rPr lang="en-US" sz="3200" dirty="0">
+              <a:rPr lang="en-US" sz="3200" b="1">
                 <a:ea typeface="Calibri" panose="020F0502020204030204"/>
                 <a:cs typeface="Calibri"/>
               </a:rPr>
-              <a:t>Based on these Tasks, Daily and Weekly Objectives will be created, calculating how long a user needs to work in that day or week to complete all Tasks on time (Figure 4). By completing all Objectives, the user should complete all Tasks on time and get an XP reward.</a:t>
-            </a:r>
-          </a:p>
-          <a:p>
-            <a:pPr algn="just"/>
-            <a:r>
-              <a:rPr lang="en-US" sz="3200" dirty="0">
+              <a:t>Socials: </a:t>
+            </a:r>
+            <a:r>
+              <a:rPr lang="en-US" sz="3200">
                 <a:ea typeface="Calibri" panose="020F0502020204030204"/>
                 <a:cs typeface="Calibri"/>
               </a:rPr>
-              <a:t>Time worked, completing Tasks, and completing Objectives awards XP, which will be used in the Mind Your Garden game. Players will be able to invest XP to add plants and other items to tiles in their garden, which will multiply XP gained later on!</a:t>
-            </a:r>
+              <a:t>In addition to more types of social information input into a "Connections" page, we would also like to allow users to look at the gardens and progress of their friends within the gamified portion of the site.</a:t>
+            </a:r>
+            <a:endParaRPr lang="en-US"/>
+          </a:p>
+          <a:p>
+            <a:pPr algn="just"/>
             <a:endParaRPr lang="en-US" sz="3200">
-              <a:ea typeface="Calibri"/>
+              <a:ea typeface="Calibri" panose="020F0502020204030204"/>
               <a:cs typeface="Calibri"/>
             </a:endParaRPr>
+          </a:p>
+          <a:p>
+            <a:pPr algn="just"/>
+            <a:r>
+              <a:rPr lang="en-US" sz="3200" b="1">
+                <a:ea typeface="Calibri" panose="020F0502020204030204"/>
+                <a:cs typeface="Calibri"/>
+              </a:rPr>
+              <a:t>Helpful Advice: </a:t>
+            </a:r>
+            <a:r>
+              <a:rPr lang="en-US" sz="3200">
+                <a:ea typeface="Calibri" panose="020F0502020204030204"/>
+                <a:cs typeface="Calibri"/>
+              </a:rPr>
+              <a:t>Our biggest goal is to help the user stay on track and build healthy habits. In the future, we would like to find ways to offer healthy advice to users and aid in developing good habits.</a:t>
+            </a:r>
+            <a:endParaRPr lang="en-US"/>
           </a:p>
         </p:txBody>
       </p:sp>
@@ -5001,10 +4953,10 @@
           <p:nvPr/>
         </p:nvPicPr>
         <p:blipFill>
-          <a:blip r:embed="rId4">
+          <a:blip r:embed="rId7">
             <a:extLst>
               <a:ext uri="{96DAC541-7B7A-43D3-8B79-37D633B846F1}">
-                <asvg:svgBlip xmlns:asvg="http://schemas.microsoft.com/office/drawing/2016/SVG/main" r:embed="rId5"/>
+                <asvg:svgBlip xmlns:asvg="http://schemas.microsoft.com/office/drawing/2016/SVG/main" r:embed="rId8"/>
               </a:ext>
             </a:extLst>
           </a:blip>
@@ -5037,7 +4989,7 @@
           <p:nvPr/>
         </p:nvPicPr>
         <p:blipFill rotWithShape="1">
-          <a:blip r:embed="rId6"/>
+          <a:blip r:embed="rId9"/>
           <a:srcRect t="4082" b="4082"/>
           <a:stretch/>
         </p:blipFill>
@@ -5066,7 +5018,7 @@
           <p:nvPr/>
         </p:nvPicPr>
         <p:blipFill>
-          <a:blip r:embed="rId7"/>
+          <a:blip r:embed="rId10"/>
           <a:stretch>
             <a:fillRect/>
           </a:stretch>
@@ -5075,36 +5027,6 @@
           <a:xfrm>
             <a:off x="14090551" y="8165870"/>
             <a:ext cx="6603938" cy="8606402"/>
-          </a:xfrm>
-          <a:prstGeom prst="rect">
-            <a:avLst/>
-          </a:prstGeom>
-        </p:spPr>
-      </p:pic>
-      <p:pic>
-        <p:nvPicPr>
-          <p:cNvPr id="8" name="Picture 7" descr="A screenshot of a task&#10;&#10;Description automatically generated">
-            <a:extLst>
-              <a:ext uri="{FF2B5EF4-FFF2-40B4-BE49-F238E27FC236}">
-                <a16:creationId xmlns:a16="http://schemas.microsoft.com/office/drawing/2014/main" id="{99A5CEA1-78B2-C876-4E40-D26B25011D23}"/>
-              </a:ext>
-            </a:extLst>
-          </p:cNvPr>
-          <p:cNvPicPr>
-            <a:picLocks noChangeAspect="1"/>
-          </p:cNvPicPr>
-          <p:nvPr/>
-        </p:nvPicPr>
-        <p:blipFill>
-          <a:blip r:embed="rId8"/>
-          <a:stretch>
-            <a:fillRect/>
-          </a:stretch>
-        </p:blipFill>
-        <p:spPr>
-          <a:xfrm>
-            <a:off x="752710" y="17544298"/>
-            <a:ext cx="12462934" cy="7103535"/>
           </a:xfrm>
           <a:prstGeom prst="rect">
             <a:avLst/>
@@ -5126,7 +5048,7 @@
         <p:spPr>
           <a:xfrm>
             <a:off x="751575" y="24644014"/>
-            <a:ext cx="12454466" cy="2554545"/>
+            <a:ext cx="12454466" cy="2062103"/>
           </a:xfrm>
           <a:prstGeom prst="rect">
             <a:avLst/>
@@ -5170,7 +5092,7 @@
                   <a:srgbClr val="000000"/>
                 </a:solidFill>
               </a:rPr>
-              <a:t>Breakdown for Daily Objectives calculations. Our Daily Objective system organizes Tasks into Days they are due and iteratively divides the average amount of time the user must work to complete all tasks on time. By following the Daily Objectives each day, a user should be able to complete all Tasks on time.</a:t>
+              <a:t>Our Daily Objective system organizes Tasks into Days they are due and iteratively finds the average time a user must work each day. By following the Daily Objectives each day, a user should be able to complete all Tasks on time.</a:t>
             </a:r>
             <a:endParaRPr lang="en-US" sz="3200" dirty="0">
               <a:ea typeface="Calibri"/>
@@ -5194,15 +5116,75 @@
           <p:nvPr/>
         </p:nvPicPr>
         <p:blipFill>
-          <a:blip r:embed="rId9"/>
+          <a:blip r:embed="rId11"/>
           <a:stretch>
             <a:fillRect/>
           </a:stretch>
         </p:blipFill>
         <p:spPr>
           <a:xfrm>
-            <a:off x="14821429" y="32791929"/>
+            <a:off x="27787287" y="21942573"/>
             <a:ext cx="8220075" cy="1133475"/>
+          </a:xfrm>
+          <a:prstGeom prst="rect">
+            <a:avLst/>
+          </a:prstGeom>
+        </p:spPr>
+      </p:pic>
+      <p:pic>
+        <p:nvPicPr>
+          <p:cNvPr id="8" name="Picture 7" descr="A graph of tasks and tasks&#10;&#10;Description automatically generated">
+            <a:extLst>
+              <a:ext uri="{FF2B5EF4-FFF2-40B4-BE49-F238E27FC236}">
+                <a16:creationId xmlns:a16="http://schemas.microsoft.com/office/drawing/2014/main" id="{5AD3074D-32FB-61C7-DB57-DD37FC1CB945}"/>
+              </a:ext>
+            </a:extLst>
+          </p:cNvPr>
+          <p:cNvPicPr>
+            <a:picLocks noChangeAspect="1"/>
+          </p:cNvPicPr>
+          <p:nvPr/>
+        </p:nvPicPr>
+        <p:blipFill>
+          <a:blip r:embed="rId12"/>
+          <a:stretch>
+            <a:fillRect/>
+          </a:stretch>
+        </p:blipFill>
+        <p:spPr>
+          <a:xfrm>
+            <a:off x="353862" y="17267898"/>
+            <a:ext cx="13186467" cy="7249008"/>
+          </a:xfrm>
+          <a:prstGeom prst="rect">
+            <a:avLst/>
+          </a:prstGeom>
+        </p:spPr>
+      </p:pic>
+      <p:pic>
+        <p:nvPicPr>
+          <p:cNvPr id="21" name="Picture 20">
+            <a:extLst>
+              <a:ext uri="{FF2B5EF4-FFF2-40B4-BE49-F238E27FC236}">
+                <a16:creationId xmlns:a16="http://schemas.microsoft.com/office/drawing/2014/main" id="{D7C65B46-CA26-4C4F-E539-20068DC0851E}"/>
+              </a:ext>
+            </a:extLst>
+          </p:cNvPr>
+          <p:cNvPicPr>
+            <a:picLocks noChangeAspect="1"/>
+          </p:cNvPicPr>
+          <p:nvPr/>
+        </p:nvPicPr>
+        <p:blipFill>
+          <a:blip r:embed="rId13"/>
+          <a:stretch>
+            <a:fillRect/>
+          </a:stretch>
+        </p:blipFill>
+        <p:spPr>
+          <a:xfrm>
+            <a:off x="341504" y="17243430"/>
+            <a:ext cx="13186468" cy="7277671"/>
           </a:xfrm>
           <a:prstGeom prst="rect">
             <a:avLst/>

--- a/Documentation/Presentations/ThinkItThru!Poster.pptx
+++ b/Documentation/Presentations/ThinkItThru!Poster.pptx
@@ -8,7 +8,7 @@
     <p:notesMasterId r:id="rId3"/>
   </p:notesMasterIdLst>
   <p:sldIdLst>
-    <p:sldId id="259" r:id="rId2"/>
+    <p:sldId id="315" r:id="rId2"/>
   </p:sldIdLst>
   <p:sldSz cx="38404800" cy="38404800"/>
   <p:notesSz cx="6858000" cy="9144000"/>
@@ -118,7 +118,17 @@
 <file path=ppt/revisionInfo.xml><?xml version="1.0" encoding="utf-8"?>
 <p1510:revInfo xmlns:a="http://schemas.openxmlformats.org/drawingml/2006/main" xmlns:r="http://schemas.openxmlformats.org/officeDocument/2006/relationships" xmlns:p1510="http://schemas.microsoft.com/office/powerpoint/2015/10/main">
   <p1510:revLst>
+    <p1510:client id="{40DBB782-FA15-A3FE-A890-4905A84C43A7}" v="8" dt="2024-04-09T19:07:26.560"/>
+    <p1510:client id="{4C739B89-0ECA-7394-671B-ED140CA7340A}" v="124" dt="2024-04-09T19:03:33.996"/>
+    <p1510:client id="{5547653B-35AD-B084-43C3-874E81DDAB8F}" v="19" dt="2024-04-09T19:05:36.807"/>
+    <p1510:client id="{6246D5E7-3D79-4062-4D71-2D1C5E832090}" v="96" dt="2024-04-11T05:37:26.265"/>
+    <p1510:client id="{81421F24-823A-58CF-D508-CFBA9EF6155F}" v="578" dt="2024-04-11T16:15:03.441"/>
     <p1510:client id="{96EDA4B2-D4B7-FC86-4F88-98D65EFDEF0C}" v="607" dt="2024-04-09T16:45:43.650"/>
+    <p1510:client id="{A7A29508-4AAA-BF81-CCAD-AAA0726F587A}" v="12" dt="2024-04-09T18:52:06.566"/>
+    <p1510:client id="{BA4D0525-8348-28D4-05F1-EABFE6E5F9B5}" v="41" dt="2024-04-09T19:01:59.601"/>
+    <p1510:client id="{D2EB4F44-3639-F019-6E7A-2F55390AFFC5}" v="277" dt="2024-04-11T05:32:48.762"/>
+    <p1510:client id="{EB6C9705-EA1E-18EF-F885-7AD5E5AC9AE2}" v="68" dt="2024-04-11T16:10:06.600"/>
+    <p1510:client id="{F3DA8B50-202E-3C3C-B662-F67D08F16DAC}" v="9" dt="2024-04-11T15:11:38.547"/>
   </p1510:revLst>
 </p1510:revInfo>
 </file>
@@ -205,7 +215,7 @@
           <a:p>
             <a:fld id="{64ED9595-0AE4-4B15-B393-D0F1DD0EB94B}" type="datetimeFigureOut">
               <a:rPr lang="en-US" smtClean="0"/>
-              <a:t>4/9/2024</a:t>
+              <a:t>4/11/2024</a:t>
             </a:fld>
             <a:endParaRPr lang="en-US"/>
           </a:p>
@@ -551,7 +561,7 @@
     </p:spTree>
     <p:extLst>
       <p:ext uri="{BB962C8B-B14F-4D97-AF65-F5344CB8AC3E}">
-        <p14:creationId xmlns:p14="http://schemas.microsoft.com/office/powerpoint/2010/main" val="3075982617"/>
+        <p14:creationId xmlns:p14="http://schemas.microsoft.com/office/powerpoint/2010/main" val="1845446488"/>
       </p:ext>
     </p:extLst>
   </p:cSld>
@@ -690,7 +700,7 @@
           <a:p>
             <a:fld id="{41C03D7F-B796-4B92-B0C7-6D4C9CC8C787}" type="datetimeFigureOut">
               <a:rPr lang="en-US" smtClean="0"/>
-              <a:t>4/9/2024</a:t>
+              <a:t>4/11/2024</a:t>
             </a:fld>
             <a:endParaRPr lang="en-US"/>
           </a:p>
@@ -858,7 +868,7 @@
           <a:p>
             <a:fld id="{41C03D7F-B796-4B92-B0C7-6D4C9CC8C787}" type="datetimeFigureOut">
               <a:rPr lang="en-US" smtClean="0"/>
-              <a:t>4/9/2024</a:t>
+              <a:t>4/11/2024</a:t>
             </a:fld>
             <a:endParaRPr lang="en-US"/>
           </a:p>
@@ -1036,7 +1046,7 @@
           <a:p>
             <a:fld id="{41C03D7F-B796-4B92-B0C7-6D4C9CC8C787}" type="datetimeFigureOut">
               <a:rPr lang="en-US" smtClean="0"/>
-              <a:t>4/9/2024</a:t>
+              <a:t>4/11/2024</a:t>
             </a:fld>
             <a:endParaRPr lang="en-US"/>
           </a:p>
@@ -1204,7 +1214,7 @@
           <a:p>
             <a:fld id="{41C03D7F-B796-4B92-B0C7-6D4C9CC8C787}" type="datetimeFigureOut">
               <a:rPr lang="en-US" smtClean="0"/>
-              <a:t>4/9/2024</a:t>
+              <a:t>4/11/2024</a:t>
             </a:fld>
             <a:endParaRPr lang="en-US"/>
           </a:p>
@@ -1447,7 +1457,7 @@
           <a:p>
             <a:fld id="{41C03D7F-B796-4B92-B0C7-6D4C9CC8C787}" type="datetimeFigureOut">
               <a:rPr lang="en-US" smtClean="0"/>
-              <a:t>4/9/2024</a:t>
+              <a:t>4/11/2024</a:t>
             </a:fld>
             <a:endParaRPr lang="en-US"/>
           </a:p>
@@ -1676,7 +1686,7 @@
           <a:p>
             <a:fld id="{41C03D7F-B796-4B92-B0C7-6D4C9CC8C787}" type="datetimeFigureOut">
               <a:rPr lang="en-US" smtClean="0"/>
-              <a:t>4/9/2024</a:t>
+              <a:t>4/11/2024</a:t>
             </a:fld>
             <a:endParaRPr lang="en-US"/>
           </a:p>
@@ -2040,7 +2050,7 @@
           <a:p>
             <a:fld id="{41C03D7F-B796-4B92-B0C7-6D4C9CC8C787}" type="datetimeFigureOut">
               <a:rPr lang="en-US" smtClean="0"/>
-              <a:t>4/9/2024</a:t>
+              <a:t>4/11/2024</a:t>
             </a:fld>
             <a:endParaRPr lang="en-US"/>
           </a:p>
@@ -2157,7 +2167,7 @@
           <a:p>
             <a:fld id="{41C03D7F-B796-4B92-B0C7-6D4C9CC8C787}" type="datetimeFigureOut">
               <a:rPr lang="en-US" smtClean="0"/>
-              <a:t>4/9/2024</a:t>
+              <a:t>4/11/2024</a:t>
             </a:fld>
             <a:endParaRPr lang="en-US"/>
           </a:p>
@@ -2252,7 +2262,7 @@
           <a:p>
             <a:fld id="{41C03D7F-B796-4B92-B0C7-6D4C9CC8C787}" type="datetimeFigureOut">
               <a:rPr lang="en-US" smtClean="0"/>
-              <a:t>4/9/2024</a:t>
+              <a:t>4/11/2024</a:t>
             </a:fld>
             <a:endParaRPr lang="en-US"/>
           </a:p>
@@ -2527,7 +2537,7 @@
           <a:p>
             <a:fld id="{41C03D7F-B796-4B92-B0C7-6D4C9CC8C787}" type="datetimeFigureOut">
               <a:rPr lang="en-US" smtClean="0"/>
-              <a:t>4/9/2024</a:t>
+              <a:t>4/11/2024</a:t>
             </a:fld>
             <a:endParaRPr lang="en-US"/>
           </a:p>
@@ -2782,7 +2792,7 @@
           <a:p>
             <a:fld id="{41C03D7F-B796-4B92-B0C7-6D4C9CC8C787}" type="datetimeFigureOut">
               <a:rPr lang="en-US" smtClean="0"/>
-              <a:t>4/9/2024</a:t>
+              <a:t>4/11/2024</a:t>
             </a:fld>
             <a:endParaRPr lang="en-US"/>
           </a:p>
@@ -2993,7 +3003,7 @@
           <a:p>
             <a:fld id="{41C03D7F-B796-4B92-B0C7-6D4C9CC8C787}" type="datetimeFigureOut">
               <a:rPr lang="en-US" smtClean="0"/>
-              <a:t>4/9/2024</a:t>
+              <a:t>4/11/2024</a:t>
             </a:fld>
             <a:endParaRPr lang="en-US"/>
           </a:p>
@@ -3398,6 +3408,35 @@
           <a:chExt cx="0" cy="0"/>
         </a:xfrm>
       </p:grpSpPr>
+      <p:pic>
+        <p:nvPicPr>
+          <p:cNvPr id="8" name="Picture 7" descr="A screenshot of a task board&#10;&#10;Description automatically generated">
+            <a:extLst>
+              <a:ext uri="{FF2B5EF4-FFF2-40B4-BE49-F238E27FC236}">
+                <a16:creationId xmlns:a16="http://schemas.microsoft.com/office/drawing/2014/main" id="{1D90FE5D-8885-8272-FA35-3C45309E5FC8}"/>
+              </a:ext>
+            </a:extLst>
+          </p:cNvPr>
+          <p:cNvPicPr>
+            <a:picLocks noChangeAspect="1"/>
+          </p:cNvPicPr>
+          <p:nvPr/>
+        </p:nvPicPr>
+        <p:blipFill rotWithShape="1">
+          <a:blip r:embed="rId3"/>
+          <a:srcRect l="31863" t="354" r="29071" b="2366"/>
+          <a:stretch/>
+        </p:blipFill>
+        <p:spPr>
+          <a:xfrm>
+            <a:off x="14498405" y="8389223"/>
+            <a:ext cx="5787146" cy="8394383"/>
+          </a:xfrm>
+          <a:prstGeom prst="rect">
+            <a:avLst/>
+          </a:prstGeom>
+        </p:spPr>
+      </p:pic>
       <p:sp>
         <p:nvSpPr>
           <p:cNvPr id="16" name="TextBox 15"/>
@@ -3406,7 +3445,7 @@
         </p:nvSpPr>
         <p:spPr>
           <a:xfrm>
-            <a:off x="1371600" y="7315200"/>
+            <a:off x="1396594" y="6858053"/>
             <a:ext cx="11171615" cy="9941183"/>
           </a:xfrm>
           <a:prstGeom prst="rect">
@@ -3444,11 +3483,11 @@
           <a:p>
             <a:pPr algn="just"/>
             <a:r>
-              <a:rPr lang="en-US" sz="3200">
+              <a:rPr lang="en-US" sz="3200" dirty="0">
                 <a:ea typeface="+mn-lt"/>
                 <a:cs typeface="+mn-lt"/>
               </a:rPr>
-              <a:t> College students struggle with high workloads during their academic careers. It is common to find students performing “all-nighters” and developing unhealthy habits due to poor time management and motivation, contributing to an overall lifestyle of chronic stress. </a:t>
+              <a:t> College students struggle with high workloads during their academic careers. It is common to find students performing “all-nighters” and developing unhealthy habits due to poor time management and lack of motivation, contributing to an overall lifestyle of chronic stress. </a:t>
             </a:r>
             <a:r>
               <a:rPr lang="en-US" sz="3200" err="1">
@@ -3458,13 +3497,30 @@
               <a:t>ThinkItThru</a:t>
             </a:r>
             <a:r>
-              <a:rPr lang="en-US" sz="3200">
+              <a:rPr lang="en-US" sz="3200" dirty="0">
                 <a:ea typeface="+mn-lt"/>
                 <a:cs typeface="+mn-lt"/>
               </a:rPr>
-              <a:t>!’s primary goals are to help students build better study habits through visual representations of the work they must complete to stay on track, along with the gamification of their work using the “XP” they gather. Tasks will be organized by priority and the user will “clock in” to a task to record the time they spent on it, as well as mark when a Task is complete. Experience, or “XP”, may be earned through time spent on a Task, completing the Task, and completing Daily and Weekly Objectives designed to keep the user on track to complete all goals. This XP may be used to purchase rewards that increase future XP gains. One-time-use items may multiply XP gains for a short period, or permanent items may be purchased and placed in the user’s Garden to decorate the site and give their XP gain a constant multiplier.</a:t>
-            </a:r>
-            <a:endParaRPr lang="en-US" sz="7250">
+              <a:t>!’s primary goals are to help students build better study habits through visual representations of the work they must complete to stay on track, along with the gamification of their work using the “XP” they gather. Tasks will be organized by priority and the user will “clock in” to a task to record the time they spent on it, as well as mark when a Task is complete. Experience, or “XP”, may be earned through time spent on a Task, completing the Task, and completing Daily and Weekly Objectives designed to keep the user on track to complete all goals. This XP may be used to purchase rewards that increase future XP gains. One-time-use items may multiply XP gains for a short period, or permanent items may be purchased and placed in the user’s Garden to decorate the site and give their XP gain a constant multiplier </a:t>
+            </a:r>
+            <a:r>
+              <a:rPr lang="en-US" sz="3200" b="1" dirty="0">
+                <a:solidFill>
+                  <a:srgbClr val="BB1C3F"/>
+                </a:solidFill>
+                <a:ea typeface="+mn-lt"/>
+                <a:cs typeface="+mn-lt"/>
+              </a:rPr>
+              <a:t>(Fig. 3)</a:t>
+            </a:r>
+            <a:r>
+              <a:rPr lang="en-US" sz="3200" dirty="0">
+                <a:ea typeface="+mn-lt"/>
+                <a:cs typeface="+mn-lt"/>
+              </a:rPr>
+              <a:t>.</a:t>
+            </a:r>
+            <a:endParaRPr lang="en-US" sz="7250" dirty="0">
               <a:ea typeface="Calibri"/>
               <a:cs typeface="Calibri"/>
             </a:endParaRPr>
@@ -3525,7 +3581,7 @@
                   <a:srgbClr val="BB1C3F"/>
                 </a:solidFill>
               </a:rPr>
-              <a:t>Abstract and Background</a:t>
+              <a:t>Abstract</a:t>
             </a:r>
           </a:p>
         </p:txBody>
@@ -3715,7 +3771,7 @@
           <p:nvPr/>
         </p:nvPicPr>
         <p:blipFill>
-          <a:blip r:embed="rId3" cstate="print">
+          <a:blip r:embed="rId4" cstate="print">
             <a:extLst>
               <a:ext uri="{28A0092B-C50C-407E-A947-70E740481C1C}">
                 <a14:useLocalDpi xmlns:a14="http://schemas.microsoft.com/office/drawing/2010/main" val="0"/>
@@ -3871,7 +3927,7 @@
         <p:spPr>
           <a:xfrm>
             <a:off x="13620909" y="6322148"/>
-            <a:ext cx="7543800" cy="1569660"/>
+            <a:ext cx="7543800" cy="2062103"/>
           </a:xfrm>
           <a:prstGeom prst="rect">
             <a:avLst/>
@@ -3902,7 +3958,7 @@
           <a:p>
             <a:pPr algn="just"/>
             <a:r>
-              <a:rPr lang="en-US" sz="3200" b="1">
+              <a:rPr lang="en-US" sz="3200" b="1" dirty="0">
                 <a:solidFill>
                   <a:srgbClr val="BB1C3F"/>
                 </a:solidFill>
@@ -3910,18 +3966,18 @@
               <a:t>Figure 1: </a:t>
             </a:r>
             <a:r>
-              <a:rPr lang="en-US" sz="3200">
+              <a:rPr lang="en-US" sz="3200" dirty="0">
                 <a:solidFill>
                   <a:schemeClr val="tx1"/>
                 </a:solidFill>
               </a:rPr>
-              <a:t>Our current </a:t>
-            </a:r>
-            <a:r>
-              <a:rPr lang="en-US" sz="3200"/>
-              <a:t>dashboard displayed upon login, displaying the intended layout of the user's task information. </a:t>
-            </a:r>
-            <a:endParaRPr lang="en-US" sz="3200">
+              <a:t>Simplified dashboard design</a:t>
+            </a:r>
+            <a:r>
+              <a:rPr lang="en-US" sz="3200" dirty="0"/>
+              <a:t> displayed upon login, displaying the intended layout of the user's task information. </a:t>
+            </a:r>
+            <a:endParaRPr lang="en-US" sz="3200" dirty="0">
               <a:ea typeface="Calibri"/>
               <a:cs typeface="Calibri"/>
             </a:endParaRPr>
@@ -3943,7 +3999,7 @@
         <p:spPr>
           <a:xfrm>
             <a:off x="21662549" y="6376233"/>
-            <a:ext cx="7543800" cy="1569660"/>
+            <a:ext cx="7543800" cy="2062103"/>
           </a:xfrm>
           <a:prstGeom prst="rect">
             <a:avLst/>
@@ -3974,7 +4030,7 @@
           <a:p>
             <a:pPr algn="just"/>
             <a:r>
-              <a:rPr lang="en-US" sz="3200" b="1">
+              <a:rPr lang="en-US" sz="3200" b="1" dirty="0">
                 <a:solidFill>
                   <a:srgbClr val="BB1C3F"/>
                 </a:solidFill>
@@ -3982,14 +4038,14 @@
               <a:t>Figure 2: </a:t>
             </a:r>
             <a:r>
-              <a:rPr lang="en-US" sz="3200">
+              <a:rPr lang="en-US" sz="3200" dirty="0">
                 <a:solidFill>
                   <a:schemeClr val="tx1"/>
                 </a:solidFill>
               </a:rPr>
-              <a:t>The task bubble when filled out with the appropriate information, based upon the user's previously input tasks.</a:t>
-            </a:r>
-            <a:endParaRPr lang="en-US" sz="3200">
+              <a:t>Task Creation Menu design. Users will input the following information so the Task is organized and Objectives for the Task can be displayed.</a:t>
+            </a:r>
+            <a:endParaRPr lang="en-US" sz="3200" dirty="0">
               <a:solidFill>
                 <a:schemeClr val="tx1"/>
               </a:solidFill>
@@ -4045,7 +4101,7 @@
           <a:p>
             <a:pPr algn="just"/>
             <a:r>
-              <a:rPr lang="en-US" sz="3200" b="1">
+              <a:rPr lang="en-US" sz="3200" b="1" dirty="0">
                 <a:solidFill>
                   <a:srgbClr val="BB1C3F"/>
                 </a:solidFill>
@@ -4053,14 +4109,14 @@
               <a:t>Figure 3:</a:t>
             </a:r>
             <a:r>
-              <a:rPr lang="en-US" sz="3200">
+              <a:rPr lang="en-US" sz="3200" dirty="0">
                 <a:solidFill>
                   <a:schemeClr val="tx1"/>
                 </a:solidFill>
               </a:rPr>
-              <a:t> Our mini-game, "Mind You Garden", that is intended to gamify the experience you receive upon completing tasks and logging in consistently. Game Items modify your experience gain through consumable and permanent items</a:t>
-            </a:r>
-            <a:endParaRPr lang="en-US" sz="3200">
+              <a:t> Our mini-game, "Mind Your Garden", intended to gamify the experience you receive upon completing tasks and logging in consistently. Game Items modify your experience gain through consumable and permanent items</a:t>
+            </a:r>
+            <a:endParaRPr lang="en-US" sz="3200" dirty="0">
               <a:solidFill>
                 <a:schemeClr val="tx1"/>
               </a:solidFill>
@@ -4084,7 +4140,7 @@
         </p:nvCxnSpPr>
         <p:spPr>
           <a:xfrm>
-            <a:off x="1452113" y="5553973"/>
+            <a:off x="1371599" y="5715000"/>
             <a:ext cx="35661600" cy="0"/>
           </a:xfrm>
           <a:prstGeom prst="line">
@@ -4172,22 +4228,28 @@
           <a:p>
             <a:pPr algn="just"/>
             <a:r>
-              <a:rPr lang="en-US" sz="3200" b="1">
+              <a:rPr lang="en-US" sz="3200" b="1" dirty="0">
                 <a:cs typeface="Calibri"/>
               </a:rPr>
               <a:t>Firebase Realtime Database: </a:t>
             </a:r>
             <a:r>
-              <a:rPr lang="en-US" sz="3200" err="1">
+              <a:rPr lang="en-US" sz="3200" dirty="0" err="1">
                 <a:cs typeface="Calibri"/>
               </a:rPr>
               <a:t>ThinkItThru</a:t>
+            </a:r>
+            <a:r>
+              <a:rPr lang="en-US" sz="3200" dirty="0">
+                <a:cs typeface="Calibri"/>
+              </a:rPr>
+              <a:t>! uses Firebase Realtime database for storing all its user data; much of what it stores involves the Experience points of each user, the gameboard setup, </a:t>
             </a:r>
             <a:r>
               <a:rPr lang="en-US" sz="3200">
                 <a:cs typeface="Calibri"/>
               </a:rPr>
-              <a:t>! uses Firebase Realtime database for storing all its user data; much of what it stores involves the Experience points of each user, the gameboard setup, the tasks of each user, and the profile settings.</a:t>
+              <a:t>the Tasks of each user, and the profile settings.</a:t>
             </a:r>
             <a:endParaRPr lang="en-US" sz="3200">
               <a:ea typeface="Calibri"/>
@@ -4305,7 +4367,7 @@
         <p:spPr>
           <a:xfrm>
             <a:off x="25953172" y="18448840"/>
-            <a:ext cx="11171615" cy="18805148"/>
+            <a:ext cx="11171615" cy="18312705"/>
           </a:xfrm>
           <a:prstGeom prst="rect">
             <a:avLst/>
@@ -4342,7 +4404,7 @@
               <a:t>Tasks are the backbone of </a:t>
             </a:r>
             <a:r>
-              <a:rPr lang="en-US" sz="3200" err="1">
+              <a:rPr lang="en-US" sz="3200" dirty="0" err="1">
                 <a:cs typeface="Calibri"/>
               </a:rPr>
               <a:t>ThinkItThru</a:t>
@@ -4351,8 +4413,20 @@
               <a:rPr lang="en-US" sz="3200" dirty="0">
                 <a:cs typeface="Calibri"/>
               </a:rPr>
-              <a:t>!. Users will create Tasks using the Task's name, estimated time required to complete, priority, difficulty, due date (or optionally recurring weekly), and an optional list of subtasks.</a:t>
-            </a:r>
+              <a:t>!. Users will create Tasks using the Task's name, estimated time required to complete, priority, due date (or optionally recurring weekly), and an optional list of subtasks. </a:t>
+            </a:r>
+            <a:r>
+              <a:rPr lang="en-US" sz="3200" b="1" dirty="0">
+                <a:solidFill>
+                  <a:srgbClr val="BB1C3F"/>
+                </a:solidFill>
+                <a:cs typeface="Calibri"/>
+              </a:rPr>
+              <a:t>(Fig. 2)</a:t>
+            </a:r>
+            <a:endParaRPr lang="en-US" sz="3200" dirty="0">
+              <a:cs typeface="Calibri"/>
+            </a:endParaRPr>
           </a:p>
           <a:p>
             <a:pPr algn="just"/>
@@ -4363,16 +4437,40 @@
               <a:t>Users will be able to add Tasks to their </a:t>
             </a:r>
             <a:r>
-              <a:rPr lang="en-US" sz="3200" err="1">
+              <a:rPr lang="en-US" sz="3200" dirty="0" err="1">
                 <a:cs typeface="Calibri"/>
               </a:rPr>
               <a:t>TaskList</a:t>
+            </a:r>
+            <a:r>
+              <a:rPr lang="en-US" sz="3200" dirty="0">
+                <a:solidFill>
+                  <a:srgbClr val="000000"/>
+                </a:solidFill>
+                <a:cs typeface="Calibri"/>
+              </a:rPr>
+              <a:t>,</a:t>
             </a:r>
             <a:r>
               <a:rPr lang="en-US" sz="3200" dirty="0">
                 <a:cs typeface="Calibri"/>
               </a:rPr>
-              <a:t>, which organizes the dashboard screen's display by priority based on the following calculation:</a:t>
+              <a:t> which organizes the dashboard </a:t>
+            </a:r>
+            <a:r>
+              <a:rPr lang="en-US" sz="3200" b="1" dirty="0">
+                <a:solidFill>
+                  <a:srgbClr val="C00000"/>
+                </a:solidFill>
+                <a:cs typeface="Calibri"/>
+              </a:rPr>
+              <a:t>(Fig. 1) </a:t>
+            </a:r>
+            <a:r>
+              <a:rPr lang="en-US" sz="3200" dirty="0">
+                <a:cs typeface="Calibri"/>
+              </a:rPr>
+              <a:t>screen's display by priority based on the following calculation:</a:t>
             </a:r>
             <a:endParaRPr lang="en-US" sz="3200" dirty="0">
               <a:ea typeface="Calibri"/>
@@ -4381,6 +4479,40 @@
           </a:p>
           <a:p>
             <a:pPr algn="just"/>
+            <a:endParaRPr lang="en-US" sz="3200">
+              <a:ea typeface="Calibri"/>
+              <a:cs typeface="Calibri"/>
+            </a:endParaRPr>
+          </a:p>
+          <a:p>
+            <a:pPr algn="just"/>
+            <a:endParaRPr lang="en-US" sz="3200">
+              <a:cs typeface="Calibri"/>
+            </a:endParaRPr>
+          </a:p>
+          <a:p>
+            <a:pPr algn="just"/>
+            <a:r>
+              <a:rPr lang="en-US" sz="3200" dirty="0">
+                <a:cs typeface="Calibri"/>
+              </a:rPr>
+              <a:t>Based on these Tasks, Daily and Weekly Objectives will be created, calculating how long a user needs to work in that day or week to complete all Tasks on time </a:t>
+            </a:r>
+            <a:r>
+              <a:rPr lang="en-US" sz="3200" b="1" dirty="0">
+                <a:solidFill>
+                  <a:srgbClr val="C00000"/>
+                </a:solidFill>
+                <a:cs typeface="Calibri"/>
+              </a:rPr>
+              <a:t>(Fig. 4)</a:t>
+            </a:r>
+            <a:r>
+              <a:rPr lang="en-US" sz="3200" dirty="0">
+                <a:cs typeface="Calibri"/>
+              </a:rPr>
+              <a:t>. By completing all Objectives, the user should be on track to complete all their Tasks on time and will receive a bonus XP reward!</a:t>
+            </a:r>
             <a:endParaRPr lang="en-US" sz="3200" dirty="0">
               <a:ea typeface="Calibri"/>
               <a:cs typeface="Calibri"/>
@@ -4398,8 +4530,24 @@
               <a:rPr lang="en-US" sz="3200" dirty="0">
                 <a:cs typeface="Calibri"/>
               </a:rPr>
-              <a:t>Based on these Tasks, Daily and Weekly Objectives will be created, calculating how long a user needs to work in that day or week to complete all Tasks on time (Figure 4). By completing all Objectives, the user should be on track to complete all their Tasks on time and will receive a bonus XP reward!</a:t>
-            </a:r>
+              <a:t>Time worked, completing Tasks, and completing Objectives awards XP, which will be used in the Mind Your Garden game. Players will be able to invest XP to add plants and other items to tiles in their garden, which will multiply XP gained later on! </a:t>
+            </a:r>
+            <a:r>
+              <a:rPr lang="en-US" sz="3200" b="1" dirty="0">
+                <a:solidFill>
+                  <a:srgbClr val="BB1C3F"/>
+                </a:solidFill>
+                <a:cs typeface="Calibri"/>
+              </a:rPr>
+              <a:t>(Fig. 3)</a:t>
+            </a:r>
+            <a:endParaRPr lang="en-US" sz="3200" dirty="0">
+              <a:ea typeface="Calibri"/>
+              <a:cs typeface="Calibri"/>
+            </a:endParaRPr>
+          </a:p>
+          <a:p>
+            <a:pPr algn="just"/>
             <a:endParaRPr lang="en-US" sz="3200">
               <a:ea typeface="Calibri"/>
               <a:cs typeface="Calibri"/>
@@ -4407,55 +4555,49 @@
           </a:p>
           <a:p>
             <a:pPr algn="just"/>
-            <a:endParaRPr lang="en-US" sz="3200" dirty="0">
-              <a:cs typeface="Calibri"/>
-            </a:endParaRPr>
+            <a:r>
+              <a:rPr lang="en-US" sz="3200" dirty="0">
+                <a:ea typeface="Calibri"/>
+                <a:cs typeface="Calibri"/>
+              </a:rPr>
+              <a:t>Users will be able to track the amount of time they have worked each day of the past week, as well as track the amount of time worked per week for up to a year. We hope this motivates users to clock in more hours in work on their projects and track their progress in their own personal habits in reaching their life goals!</a:t>
+            </a:r>
           </a:p>
           <a:p>
             <a:pPr algn="just"/>
-            <a:r>
-              <a:rPr lang="en-US" sz="3200" dirty="0">
-                <a:cs typeface="Calibri"/>
-              </a:rPr>
-              <a:t>Time worked, completing Tasks, and completing Objectives awards XP, which will be used in the Mind Your Garden game. Players will be able to invest XP to add plants and other items to tiles in their garden, which will multiply XP gained later on!</a:t>
-            </a:r>
-            <a:endParaRPr lang="en-US" sz="3200" dirty="0">
+            <a:endParaRPr lang="en-US" sz="3200">
               <a:ea typeface="Calibri"/>
               <a:cs typeface="Calibri"/>
             </a:endParaRPr>
           </a:p>
           <a:p>
             <a:pPr algn="just"/>
-            <a:endParaRPr lang="en-US" sz="3200" dirty="0">
-              <a:ea typeface="Calibri"/>
-              <a:cs typeface="Calibri"/>
-            </a:endParaRPr>
-          </a:p>
-          <a:p>
-            <a:pPr algn="just"/>
             <a:r>
               <a:rPr lang="en-US" sz="3200" dirty="0">
                 <a:ea typeface="Calibri"/>
                 <a:cs typeface="Calibri"/>
               </a:rPr>
-              <a:t>Users will be able to track the amount of time they have worked each day of the past week, as well as track the amount of time worked per week for up to a year. We hope this motivates users to clock in more hours in work on their projects and track their progress in their own personal habits in reaching their life goals!</a:t>
-            </a:r>
-          </a:p>
-          <a:p>
-            <a:pPr algn="just"/>
-            <a:endParaRPr lang="en-US" sz="3200" dirty="0">
-              <a:ea typeface="Calibri"/>
-              <a:cs typeface="Calibri"/>
-            </a:endParaRPr>
-          </a:p>
-          <a:p>
-            <a:pPr algn="just"/>
-            <a:r>
-              <a:rPr lang="en-US" sz="3200" dirty="0">
+              <a:t>Depending on the major of the student that has signed in to the app (gathered at the registration form page) </a:t>
+            </a:r>
+            <a:r>
+              <a:rPr lang="en-US" sz="3200" b="1" dirty="0">
+                <a:solidFill>
+                  <a:srgbClr val="C00000"/>
+                </a:solidFill>
                 <a:ea typeface="Calibri"/>
                 <a:cs typeface="Calibri"/>
               </a:rPr>
-              <a:t>If the user is an Austin Peay student, the Connections page will allow users to connect to social media, such as public discord servers, according to their major to seek help and connect with fellow students.</a:t>
+              <a:t>(Fig. 5)</a:t>
+            </a:r>
+            <a:r>
+              <a:rPr lang="en-US" sz="3200" dirty="0">
+                <a:solidFill>
+                  <a:schemeClr val="tx1"/>
+                </a:solidFill>
+                <a:ea typeface="Calibri"/>
+                <a:cs typeface="Calibri"/>
+              </a:rPr>
+              <a:t>, the student will be able to see different discord communities and other connected social media relating to their major. </a:t>
             </a:r>
           </a:p>
           <a:p>
@@ -4466,7 +4608,7 @@
           </a:p>
           <a:p>
             <a:pPr algn="just"/>
-            <a:endParaRPr lang="en-US" sz="3200" dirty="0">
+            <a:endParaRPr lang="en-US" sz="3200">
               <a:ea typeface="Calibri"/>
               <a:cs typeface="Calibri"/>
             </a:endParaRPr>
@@ -4551,7 +4693,7 @@
               <a:rPr lang="en-US" sz="3200">
                 <a:ea typeface="+mn-lt"/>
                 <a:cs typeface="+mn-lt"/>
-                <a:hlinkClick r:id="rId4"/>
+                <a:hlinkClick r:id="rId5"/>
               </a:rPr>
               <a:t>https://code.visualstudio.com</a:t>
             </a:r>
@@ -4568,7 +4710,7 @@
               <a:rPr lang="en-US" sz="3200">
                 <a:ea typeface="+mn-lt"/>
                 <a:cs typeface="+mn-lt"/>
-                <a:hlinkClick r:id="rId5"/>
+                <a:hlinkClick r:id="rId6"/>
               </a:rPr>
               <a:t>https://github.com</a:t>
             </a:r>
@@ -4585,7 +4727,7 @@
               <a:rPr lang="en-US" sz="3200">
                 <a:ea typeface="Calibri"/>
                 <a:cs typeface="Calibri"/>
-                <a:hlinkClick r:id="rId6"/>
+                <a:hlinkClick r:id="rId7"/>
               </a:rPr>
               <a:t>https://firebase.google.com</a:t>
             </a:r>
@@ -4953,10 +5095,10 @@
           <p:nvPr/>
         </p:nvPicPr>
         <p:blipFill>
-          <a:blip r:embed="rId7">
+          <a:blip r:embed="rId8">
             <a:extLst>
               <a:ext uri="{96DAC541-7B7A-43D3-8B79-37D633B846F1}">
-                <asvg:svgBlip xmlns:asvg="http://schemas.microsoft.com/office/drawing/2016/SVG/main" r:embed="rId8"/>
+                <asvg:svgBlip xmlns:asvg="http://schemas.microsoft.com/office/drawing/2016/SVG/main" r:embed="rId9"/>
               </a:ext>
             </a:extLst>
           </a:blip>
@@ -4968,65 +5110,6 @@
           <a:xfrm>
             <a:off x="33150495" y="534099"/>
             <a:ext cx="4367868" cy="4367868"/>
-          </a:xfrm>
-          <a:prstGeom prst="rect">
-            <a:avLst/>
-          </a:prstGeom>
-        </p:spPr>
-      </p:pic>
-      <p:pic>
-        <p:nvPicPr>
-          <p:cNvPr id="2" name="Picture 1" descr="A screenshot of a task&#10;&#10;Description automatically generated">
-            <a:extLst>
-              <a:ext uri="{FF2B5EF4-FFF2-40B4-BE49-F238E27FC236}">
-                <a16:creationId xmlns:a16="http://schemas.microsoft.com/office/drawing/2014/main" id="{72892CB3-CC4B-5D6B-F260-D406DA6F3645}"/>
-              </a:ext>
-            </a:extLst>
-          </p:cNvPr>
-          <p:cNvPicPr>
-            <a:picLocks noChangeAspect="1"/>
-          </p:cNvPicPr>
-          <p:nvPr/>
-        </p:nvPicPr>
-        <p:blipFill rotWithShape="1">
-          <a:blip r:embed="rId9"/>
-          <a:srcRect t="4082" b="4082"/>
-          <a:stretch/>
-        </p:blipFill>
-        <p:spPr>
-          <a:xfrm>
-            <a:off x="21651949" y="8082386"/>
-            <a:ext cx="7532437" cy="8764600"/>
-          </a:xfrm>
-          <a:prstGeom prst="rect">
-            <a:avLst/>
-          </a:prstGeom>
-        </p:spPr>
-      </p:pic>
-      <p:pic>
-        <p:nvPicPr>
-          <p:cNvPr id="4" name="Picture 3" descr="A screenshot of a notebook&#10;&#10;Description automatically generated">
-            <a:extLst>
-              <a:ext uri="{FF2B5EF4-FFF2-40B4-BE49-F238E27FC236}">
-                <a16:creationId xmlns:a16="http://schemas.microsoft.com/office/drawing/2014/main" id="{B4FB20A6-410A-EB0E-AE6F-B09A101065B5}"/>
-              </a:ext>
-            </a:extLst>
-          </p:cNvPr>
-          <p:cNvPicPr>
-            <a:picLocks noChangeAspect="1"/>
-          </p:cNvPicPr>
-          <p:nvPr/>
-        </p:nvPicPr>
-        <p:blipFill>
-          <a:blip r:embed="rId10"/>
-          <a:stretch>
-            <a:fillRect/>
-          </a:stretch>
-        </p:blipFill>
-        <p:spPr>
-          <a:xfrm>
-            <a:off x="14090551" y="8165870"/>
-            <a:ext cx="6603938" cy="8606402"/>
           </a:xfrm>
           <a:prstGeom prst="rect">
             <a:avLst/>
@@ -5047,8 +5130,8 @@
         </p:nvSpPr>
         <p:spPr>
           <a:xfrm>
-            <a:off x="751575" y="24644014"/>
-            <a:ext cx="12454466" cy="2062103"/>
+            <a:off x="1303500" y="24598021"/>
+            <a:ext cx="11258629" cy="3539430"/>
           </a:xfrm>
           <a:prstGeom prst="rect">
             <a:avLst/>
@@ -5092,7 +5175,7 @@
                   <a:srgbClr val="000000"/>
                 </a:solidFill>
               </a:rPr>
-              <a:t>Our Daily Objective system organizes Tasks into Days they are due and iteratively finds the average time a user must work each day. By following the Daily Objectives each day, a user should be able to complete all Tasks on time.</a:t>
+              <a:t>Our Daily Objective system organizes Tasks into the Days they are due and iteratively finds the highest average time a user must work each day. This creates an artificial cap on the total amount of work a user should complete each day, to avoid overwhelming them and to efficiently spread the work out. By following the Daily Objectives each day, a user should be able to complete all Tasks on time.</a:t>
             </a:r>
             <a:endParaRPr lang="en-US" sz="3200" dirty="0">
               <a:ea typeface="Calibri"/>
@@ -5116,14 +5199,14 @@
           <p:nvPr/>
         </p:nvPicPr>
         <p:blipFill>
-          <a:blip r:embed="rId11"/>
+          <a:blip r:embed="rId10"/>
           <a:stretch>
             <a:fillRect/>
           </a:stretch>
         </p:blipFill>
         <p:spPr>
           <a:xfrm>
-            <a:off x="27787287" y="21942573"/>
+            <a:off x="27431027" y="21942573"/>
             <a:ext cx="8220075" cy="1133475"/>
           </a:xfrm>
           <a:prstGeom prst="rect">
@@ -5133,10 +5216,10 @@
       </p:pic>
       <p:pic>
         <p:nvPicPr>
-          <p:cNvPr id="8" name="Picture 7" descr="A graph of tasks and tasks&#10;&#10;Description automatically generated">
+          <p:cNvPr id="7" name="Picture 6">
             <a:extLst>
               <a:ext uri="{FF2B5EF4-FFF2-40B4-BE49-F238E27FC236}">
-                <a16:creationId xmlns:a16="http://schemas.microsoft.com/office/drawing/2014/main" id="{5AD3074D-32FB-61C7-DB57-DD37FC1CB945}"/>
+                <a16:creationId xmlns:a16="http://schemas.microsoft.com/office/drawing/2014/main" id="{ADC0171A-F4B4-36D3-24CF-D85C8D8AD647}"/>
               </a:ext>
             </a:extLst>
           </p:cNvPr>
@@ -5145,16 +5228,15 @@
           </p:cNvPicPr>
           <p:nvPr/>
         </p:nvPicPr>
-        <p:blipFill>
-          <a:blip r:embed="rId12"/>
-          <a:stretch>
-            <a:fillRect/>
-          </a:stretch>
+        <p:blipFill rotWithShape="1">
+          <a:blip r:embed="rId11"/>
+          <a:srcRect t="-621" r="2867" b="-17"/>
+          <a:stretch/>
         </p:blipFill>
         <p:spPr>
           <a:xfrm>
-            <a:off x="353862" y="17267898"/>
-            <a:ext cx="13186467" cy="7249008"/>
+            <a:off x="746118" y="17187341"/>
+            <a:ext cx="12483182" cy="7411236"/>
           </a:xfrm>
           <a:prstGeom prst="rect">
             <a:avLst/>
@@ -5163,10 +5245,39 @@
       </p:pic>
       <p:pic>
         <p:nvPicPr>
-          <p:cNvPr id="21" name="Picture 20">
+          <p:cNvPr id="21" name="Picture 20" descr="A screenshot of a computer&#10;&#10;Description automatically generated">
             <a:extLst>
               <a:ext uri="{FF2B5EF4-FFF2-40B4-BE49-F238E27FC236}">
-                <a16:creationId xmlns:a16="http://schemas.microsoft.com/office/drawing/2014/main" id="{D7C65B46-CA26-4C4F-E539-20068DC0851E}"/>
+                <a16:creationId xmlns:a16="http://schemas.microsoft.com/office/drawing/2014/main" id="{B7ED707B-156E-F7BC-ECE2-EA547271CB77}"/>
+              </a:ext>
+            </a:extLst>
+          </p:cNvPr>
+          <p:cNvPicPr>
+            <a:picLocks noChangeAspect="1"/>
+          </p:cNvPicPr>
+          <p:nvPr/>
+        </p:nvPicPr>
+        <p:blipFill rotWithShape="1">
+          <a:blip r:embed="rId12"/>
+          <a:srcRect l="194" t="1667" r="-1955" b="50606"/>
+          <a:stretch/>
+        </p:blipFill>
+        <p:spPr>
+          <a:xfrm>
+            <a:off x="21635143" y="8839259"/>
+            <a:ext cx="7565590" cy="6665507"/>
+          </a:xfrm>
+          <a:prstGeom prst="rect">
+            <a:avLst/>
+          </a:prstGeom>
+        </p:spPr>
+      </p:pic>
+      <p:pic>
+        <p:nvPicPr>
+          <p:cNvPr id="23" name="Picture 22" descr="A screenshot of a game&#10;&#10;Description automatically generated">
+            <a:extLst>
+              <a:ext uri="{FF2B5EF4-FFF2-40B4-BE49-F238E27FC236}">
+                <a16:creationId xmlns:a16="http://schemas.microsoft.com/office/drawing/2014/main" id="{1E66857C-C3F4-3AC6-6FD9-6F733C6C8E8E}"/>
               </a:ext>
             </a:extLst>
           </p:cNvPr>
@@ -5183,18 +5294,116 @@
         </p:blipFill>
         <p:spPr>
           <a:xfrm>
-            <a:off x="341504" y="17243430"/>
-            <a:ext cx="13186468" cy="7277671"/>
+            <a:off x="29443246" y="9367454"/>
+            <a:ext cx="8226311" cy="9146187"/>
           </a:xfrm>
           <a:prstGeom prst="rect">
             <a:avLst/>
           </a:prstGeom>
         </p:spPr>
       </p:pic>
+      <p:pic>
+        <p:nvPicPr>
+          <p:cNvPr id="4" name="Picture 3" descr="A diagram of a computer program&#10;&#10;Description automatically generated">
+            <a:extLst>
+              <a:ext uri="{FF2B5EF4-FFF2-40B4-BE49-F238E27FC236}">
+                <a16:creationId xmlns:a16="http://schemas.microsoft.com/office/drawing/2014/main" id="{90CB42DD-0F2D-BE15-1ED7-EA57DB087F4E}"/>
+              </a:ext>
+            </a:extLst>
+          </p:cNvPr>
+          <p:cNvPicPr>
+            <a:picLocks noChangeAspect="1"/>
+          </p:cNvPicPr>
+          <p:nvPr/>
+        </p:nvPicPr>
+        <p:blipFill>
+          <a:blip r:embed="rId14"/>
+          <a:stretch>
+            <a:fillRect/>
+          </a:stretch>
+        </p:blipFill>
+        <p:spPr>
+          <a:xfrm>
+            <a:off x="1860542" y="28190343"/>
+            <a:ext cx="10146794" cy="7259916"/>
+          </a:xfrm>
+          <a:prstGeom prst="rect">
+            <a:avLst/>
+          </a:prstGeom>
+        </p:spPr>
+      </p:pic>
+      <p:sp>
+        <p:nvSpPr>
+          <p:cNvPr id="24" name="TextBox 23">
+            <a:extLst>
+              <a:ext uri="{FF2B5EF4-FFF2-40B4-BE49-F238E27FC236}">
+                <a16:creationId xmlns:a16="http://schemas.microsoft.com/office/drawing/2014/main" id="{143637E6-7E62-CA37-23E7-66D8A97CA6D6}"/>
+              </a:ext>
+            </a:extLst>
+          </p:cNvPr>
+          <p:cNvSpPr txBox="1"/>
+          <p:nvPr/>
+        </p:nvSpPr>
+        <p:spPr>
+          <a:xfrm>
+            <a:off x="1406973" y="35456977"/>
+            <a:ext cx="11196861" cy="2062103"/>
+          </a:xfrm>
+          <a:prstGeom prst="rect">
+            <a:avLst/>
+          </a:prstGeom>
+          <a:ln>
+            <a:noFill/>
+          </a:ln>
+        </p:spPr>
+        <p:style>
+          <a:lnRef idx="2">
+            <a:schemeClr val="dk1"/>
+          </a:lnRef>
+          <a:fillRef idx="1">
+            <a:schemeClr val="lt1"/>
+          </a:fillRef>
+          <a:effectRef idx="0">
+            <a:schemeClr val="dk1"/>
+          </a:effectRef>
+          <a:fontRef idx="minor">
+            <a:schemeClr val="dk1"/>
+          </a:fontRef>
+        </p:style>
+        <p:txBody>
+          <a:bodyPr wrap="square" lIns="91440" tIns="45720" rIns="91440" bIns="45720" rtlCol="0" anchor="t">
+            <a:spAutoFit/>
+          </a:bodyPr>
+          <a:lstStyle/>
+          <a:p>
+            <a:pPr algn="just"/>
+            <a:r>
+              <a:rPr lang="en-US" sz="3200" b="1" dirty="0">
+                <a:solidFill>
+                  <a:srgbClr val="BB1C3F"/>
+                </a:solidFill>
+                <a:ea typeface="Calibri"/>
+                <a:cs typeface="Calibri"/>
+              </a:rPr>
+              <a:t>Figure 5: </a:t>
+            </a:r>
+            <a:r>
+              <a:rPr lang="en-US" sz="3200" dirty="0">
+                <a:solidFill>
+                  <a:schemeClr val="tx1"/>
+                </a:solidFill>
+                <a:ea typeface="Calibri"/>
+                <a:cs typeface="Calibri"/>
+              </a:rPr>
+              <a:t>A block diagram representing the various components of our site, following a path from the user's computer and to the systems involved in our structure. You can also see the various pages of our application</a:t>
+            </a:r>
+          </a:p>
+        </p:txBody>
+      </p:sp>
     </p:spTree>
     <p:extLst>
       <p:ext uri="{BB962C8B-B14F-4D97-AF65-F5344CB8AC3E}">
-        <p14:creationId xmlns:p14="http://schemas.microsoft.com/office/powerpoint/2010/main" val="4276673225"/>
+        <p14:creationId xmlns:p14="http://schemas.microsoft.com/office/powerpoint/2010/main" val="2972061449"/>
       </p:ext>
     </p:extLst>
   </p:cSld>
